--- a/Group G_BYOP.pptx
+++ b/Group G_BYOP.pptx
@@ -5,27 +5,26 @@
     <p:sldMasterId id="2147483648" r:id="rId1"/>
   </p:sldMasterIdLst>
   <p:handoutMasterIdLst>
-    <p:handoutMasterId r:id="rId20"/>
+    <p:handoutMasterId r:id="rId19"/>
   </p:handoutMasterIdLst>
   <p:sldIdLst>
     <p:sldId id="256" r:id="rId2"/>
-    <p:sldId id="264" r:id="rId3"/>
-    <p:sldId id="258" r:id="rId4"/>
-    <p:sldId id="288" r:id="rId5"/>
-    <p:sldId id="287" r:id="rId6"/>
-    <p:sldId id="289" r:id="rId7"/>
-    <p:sldId id="286" r:id="rId8"/>
-    <p:sldId id="269" r:id="rId9"/>
-    <p:sldId id="280" r:id="rId10"/>
-    <p:sldId id="281" r:id="rId11"/>
-    <p:sldId id="283" r:id="rId12"/>
-    <p:sldId id="285" r:id="rId13"/>
-    <p:sldId id="270" r:id="rId14"/>
-    <p:sldId id="290" r:id="rId15"/>
-    <p:sldId id="273" r:id="rId16"/>
-    <p:sldId id="274" r:id="rId17"/>
-    <p:sldId id="272" r:id="rId18"/>
-    <p:sldId id="265" r:id="rId19"/>
+    <p:sldId id="258" r:id="rId3"/>
+    <p:sldId id="288" r:id="rId4"/>
+    <p:sldId id="287" r:id="rId5"/>
+    <p:sldId id="289" r:id="rId6"/>
+    <p:sldId id="286" r:id="rId7"/>
+    <p:sldId id="269" r:id="rId8"/>
+    <p:sldId id="280" r:id="rId9"/>
+    <p:sldId id="281" r:id="rId10"/>
+    <p:sldId id="283" r:id="rId11"/>
+    <p:sldId id="285" r:id="rId12"/>
+    <p:sldId id="270" r:id="rId13"/>
+    <p:sldId id="290" r:id="rId14"/>
+    <p:sldId id="273" r:id="rId15"/>
+    <p:sldId id="274" r:id="rId16"/>
+    <p:sldId id="272" r:id="rId17"/>
+    <p:sldId id="265" r:id="rId18"/>
   </p:sldIdLst>
   <p:sldSz cx="12192000" cy="6858000"/>
   <p:notesSz cx="6858000" cy="9144000"/>
@@ -23826,582 +23825,6 @@
       </p:grpSpPr>
       <p:pic>
         <p:nvPicPr>
-          <p:cNvPr id="4098" name="Picture 2">
-            <a:extLst>
-              <a:ext uri="{FF2B5EF4-FFF2-40B4-BE49-F238E27FC236}">
-                <a16:creationId xmlns:a16="http://schemas.microsoft.com/office/drawing/2014/main" id="{48FCB275-C919-5D05-33E0-9858C4B85939}"/>
-              </a:ext>
-            </a:extLst>
-          </p:cNvPr>
-          <p:cNvPicPr>
-            <a:picLocks noChangeAspect="1" noChangeArrowheads="1"/>
-          </p:cNvPicPr>
-          <p:nvPr/>
-        </p:nvPicPr>
-        <p:blipFill>
-          <a:blip r:embed="rId2">
-            <a:extLst>
-              <a:ext uri="{28A0092B-C50C-407E-A947-70E740481C1C}">
-                <a14:useLocalDpi xmlns:a14="http://schemas.microsoft.com/office/drawing/2010/main" val="0"/>
-              </a:ext>
-            </a:extLst>
-          </a:blip>
-          <a:srcRect/>
-          <a:stretch>
-            <a:fillRect/>
-          </a:stretch>
-        </p:blipFill>
-        <p:spPr bwMode="auto">
-          <a:xfrm>
-            <a:off x="5458857" y="281061"/>
-            <a:ext cx="5787415" cy="1824576"/>
-          </a:xfrm>
-          <a:prstGeom prst="rect">
-            <a:avLst/>
-          </a:prstGeom>
-          <a:noFill/>
-          <a:ln>
-            <a:solidFill>
-              <a:schemeClr val="accent1">
-                <a:lumMod val="60000"/>
-                <a:lumOff val="40000"/>
-              </a:schemeClr>
-            </a:solidFill>
-          </a:ln>
-          <a:extLst>
-            <a:ext uri="{909E8E84-426E-40DD-AFC4-6F175D3DCCD1}">
-              <a14:hiddenFill xmlns:a14="http://schemas.microsoft.com/office/drawing/2010/main">
-                <a:solidFill>
-                  <a:srgbClr val="FFFFFF"/>
-                </a:solidFill>
-              </a14:hiddenFill>
-            </a:ext>
-          </a:extLst>
-        </p:spPr>
-      </p:pic>
-      <p:sp>
-        <p:nvSpPr>
-          <p:cNvPr id="7" name="TextBox 6">
-            <a:extLst>
-              <a:ext uri="{FF2B5EF4-FFF2-40B4-BE49-F238E27FC236}">
-                <a16:creationId xmlns:a16="http://schemas.microsoft.com/office/drawing/2014/main" id="{1D0CB1AC-BD58-9E80-6C69-14A860A56FC6}"/>
-              </a:ext>
-            </a:extLst>
-          </p:cNvPr>
-          <p:cNvSpPr txBox="1"/>
-          <p:nvPr/>
-        </p:nvSpPr>
-        <p:spPr>
-          <a:xfrm>
-            <a:off x="260317" y="1128052"/>
-            <a:ext cx="4907584" cy="792781"/>
-          </a:xfrm>
-          <a:prstGeom prst="rect">
-            <a:avLst/>
-          </a:prstGeom>
-          <a:noFill/>
-        </p:spPr>
-        <p:txBody>
-          <a:bodyPr wrap="square">
-            <a:spAutoFit/>
-          </a:bodyPr>
-          <a:lstStyle/>
-          <a:p>
-            <a:pPr marL="742950" lvl="1" indent="-285750">
-              <a:lnSpc>
-                <a:spcPct val="150000"/>
-              </a:lnSpc>
-              <a:buFont typeface="Wingdings" panose="05000000000000000000" pitchFamily="2" charset="2"/>
-              <a:buChar char="§"/>
-            </a:pPr>
-            <a:r>
-              <a:rPr lang="en-US" sz="1600" dirty="0">
-                <a:solidFill>
-                  <a:srgbClr val="0070C0"/>
-                </a:solidFill>
-              </a:rPr>
-              <a:t>No. of Matches Win by Wickets = 435 matches </a:t>
-            </a:r>
-          </a:p>
-          <a:p>
-            <a:pPr marL="742950" lvl="1" indent="-285750">
-              <a:lnSpc>
-                <a:spcPct val="150000"/>
-              </a:lnSpc>
-              <a:buFont typeface="Wingdings" panose="05000000000000000000" pitchFamily="2" charset="2"/>
-              <a:buChar char="§"/>
-            </a:pPr>
-            <a:r>
-              <a:rPr lang="en-US" sz="1600" dirty="0">
-                <a:solidFill>
-                  <a:schemeClr val="accent2">
-                    <a:lumMod val="75000"/>
-                  </a:schemeClr>
-                </a:solidFill>
-              </a:rPr>
-              <a:t>No. of Matches Wins by Runs: 364 Matches</a:t>
-            </a:r>
-          </a:p>
-        </p:txBody>
-      </p:sp>
-      <p:sp>
-        <p:nvSpPr>
-          <p:cNvPr id="9" name="TextBox 8">
-            <a:extLst>
-              <a:ext uri="{FF2B5EF4-FFF2-40B4-BE49-F238E27FC236}">
-                <a16:creationId xmlns:a16="http://schemas.microsoft.com/office/drawing/2014/main" id="{6B35FD82-FDC2-B84E-FB5F-924D399D38A9}"/>
-              </a:ext>
-            </a:extLst>
-          </p:cNvPr>
-          <p:cNvSpPr txBox="1"/>
-          <p:nvPr/>
-        </p:nvSpPr>
-        <p:spPr>
-          <a:xfrm>
-            <a:off x="1090174" y="5944680"/>
-            <a:ext cx="3490215" cy="338554"/>
-          </a:xfrm>
-          <a:prstGeom prst="rect">
-            <a:avLst/>
-          </a:prstGeom>
-          <a:noFill/>
-        </p:spPr>
-        <p:txBody>
-          <a:bodyPr wrap="square">
-            <a:spAutoFit/>
-          </a:bodyPr>
-          <a:lstStyle/>
-          <a:p>
-            <a:r>
-              <a:rPr lang="en-US" sz="1600" dirty="0">
-                <a:solidFill>
-                  <a:schemeClr val="accent2">
-                    <a:lumMod val="75000"/>
-                  </a:schemeClr>
-                </a:solidFill>
-              </a:rPr>
-              <a:t>Win by Maximum Runs - 146 runs</a:t>
-            </a:r>
-          </a:p>
-        </p:txBody>
-      </p:sp>
-      <p:pic>
-        <p:nvPicPr>
-          <p:cNvPr id="4100" name="Picture 4">
-            <a:extLst>
-              <a:ext uri="{FF2B5EF4-FFF2-40B4-BE49-F238E27FC236}">
-                <a16:creationId xmlns:a16="http://schemas.microsoft.com/office/drawing/2014/main" id="{B83574F4-D1E5-5C7F-A249-A49268E36975}"/>
-              </a:ext>
-            </a:extLst>
-          </p:cNvPr>
-          <p:cNvPicPr>
-            <a:picLocks noChangeAspect="1" noChangeArrowheads="1"/>
-          </p:cNvPicPr>
-          <p:nvPr/>
-        </p:nvPicPr>
-        <p:blipFill>
-          <a:blip r:embed="rId3">
-            <a:extLst>
-              <a:ext uri="{28A0092B-C50C-407E-A947-70E740481C1C}">
-                <a14:useLocalDpi xmlns:a14="http://schemas.microsoft.com/office/drawing/2010/main" val="0"/>
-              </a:ext>
-            </a:extLst>
-          </a:blip>
-          <a:srcRect/>
-          <a:stretch>
-            <a:fillRect/>
-          </a:stretch>
-        </p:blipFill>
-        <p:spPr bwMode="auto">
-          <a:xfrm>
-            <a:off x="6826265" y="2445470"/>
-            <a:ext cx="3457575" cy="3362325"/>
-          </a:xfrm>
-          <a:prstGeom prst="rect">
-            <a:avLst/>
-          </a:prstGeom>
-          <a:noFill/>
-          <a:ln>
-            <a:solidFill>
-              <a:schemeClr val="accent1">
-                <a:lumMod val="60000"/>
-                <a:lumOff val="40000"/>
-              </a:schemeClr>
-            </a:solidFill>
-          </a:ln>
-          <a:extLst>
-            <a:ext uri="{909E8E84-426E-40DD-AFC4-6F175D3DCCD1}">
-              <a14:hiddenFill xmlns:a14="http://schemas.microsoft.com/office/drawing/2010/main">
-                <a:solidFill>
-                  <a:srgbClr val="FFFFFF"/>
-                </a:solidFill>
-              </a14:hiddenFill>
-            </a:ext>
-          </a:extLst>
-        </p:spPr>
-      </p:pic>
-      <p:pic>
-        <p:nvPicPr>
-          <p:cNvPr id="4102" name="Picture 6">
-            <a:extLst>
-              <a:ext uri="{FF2B5EF4-FFF2-40B4-BE49-F238E27FC236}">
-                <a16:creationId xmlns:a16="http://schemas.microsoft.com/office/drawing/2014/main" id="{F74ED2BD-47EE-677F-A554-65E3C0CE3B93}"/>
-              </a:ext>
-            </a:extLst>
-          </p:cNvPr>
-          <p:cNvPicPr>
-            <a:picLocks noChangeAspect="1" noChangeArrowheads="1"/>
-          </p:cNvPicPr>
-          <p:nvPr/>
-        </p:nvPicPr>
-        <p:blipFill>
-          <a:blip r:embed="rId4">
-            <a:extLst>
-              <a:ext uri="{28A0092B-C50C-407E-A947-70E740481C1C}">
-                <a14:useLocalDpi xmlns:a14="http://schemas.microsoft.com/office/drawing/2010/main" val="0"/>
-              </a:ext>
-            </a:extLst>
-          </a:blip>
-          <a:srcRect/>
-          <a:stretch>
-            <a:fillRect/>
-          </a:stretch>
-        </p:blipFill>
-        <p:spPr bwMode="auto">
-          <a:xfrm>
-            <a:off x="740095" y="2511700"/>
-            <a:ext cx="4033748" cy="3296095"/>
-          </a:xfrm>
-          <a:prstGeom prst="rect">
-            <a:avLst/>
-          </a:prstGeom>
-          <a:noFill/>
-          <a:ln>
-            <a:solidFill>
-              <a:schemeClr val="accent1">
-                <a:lumMod val="60000"/>
-                <a:lumOff val="40000"/>
-              </a:schemeClr>
-            </a:solidFill>
-          </a:ln>
-          <a:extLst>
-            <a:ext uri="{909E8E84-426E-40DD-AFC4-6F175D3DCCD1}">
-              <a14:hiddenFill xmlns:a14="http://schemas.microsoft.com/office/drawing/2010/main">
-                <a:solidFill>
-                  <a:srgbClr val="FFFFFF"/>
-                </a:solidFill>
-              </a14:hiddenFill>
-            </a:ext>
-          </a:extLst>
-        </p:spPr>
-      </p:pic>
-      <p:sp>
-        <p:nvSpPr>
-          <p:cNvPr id="12" name="Text Placeholder 11">
-            <a:extLst>
-              <a:ext uri="{FF2B5EF4-FFF2-40B4-BE49-F238E27FC236}">
-                <a16:creationId xmlns:a16="http://schemas.microsoft.com/office/drawing/2014/main" id="{D571FEC1-9878-9CB9-0259-A4217769FF1D}"/>
-              </a:ext>
-            </a:extLst>
-          </p:cNvPr>
-          <p:cNvSpPr txBox="1">
-            <a:spLocks/>
-          </p:cNvSpPr>
-          <p:nvPr/>
-        </p:nvSpPr>
-        <p:spPr>
-          <a:xfrm>
-            <a:off x="890690" y="281061"/>
-            <a:ext cx="3732558" cy="602039"/>
-          </a:xfrm>
-          <a:prstGeom prst="rect">
-            <a:avLst/>
-          </a:prstGeom>
-        </p:spPr>
-        <p:style>
-          <a:lnRef idx="1">
-            <a:schemeClr val="accent6"/>
-          </a:lnRef>
-          <a:fillRef idx="2">
-            <a:schemeClr val="accent6"/>
-          </a:fillRef>
-          <a:effectRef idx="1">
-            <a:schemeClr val="accent6"/>
-          </a:effectRef>
-          <a:fontRef idx="minor">
-            <a:schemeClr val="dk1"/>
-          </a:fontRef>
-        </p:style>
-        <p:txBody>
-          <a:bodyPr vert="horz" lIns="91440" tIns="45720" rIns="91440" bIns="45720" rtlCol="0">
-            <a:normAutofit fontScale="92500"/>
-          </a:bodyPr>
-          <a:lstStyle>
-            <a:lvl1pPr marL="0" indent="0" algn="l" defTabSz="914400" rtl="0" eaLnBrk="1" latinLnBrk="0" hangingPunct="1">
-              <a:lnSpc>
-                <a:spcPct val="90000"/>
-              </a:lnSpc>
-              <a:spcBef>
-                <a:spcPts val="1000"/>
-              </a:spcBef>
-              <a:buFont typeface="Arial" panose="020B0604020202020204" pitchFamily="34" charset="0"/>
-              <a:buNone/>
-              <a:defRPr sz="2400" kern="1200">
-                <a:solidFill>
-                  <a:schemeClr val="tx1">
-                    <a:lumMod val="85000"/>
-                    <a:lumOff val="15000"/>
-                  </a:schemeClr>
-                </a:solidFill>
-                <a:latin typeface="Arial Narrow" panose="020B0606020202030204" pitchFamily="34" charset="0"/>
-                <a:ea typeface="+mn-ea"/>
-                <a:cs typeface="+mn-cs"/>
-              </a:defRPr>
-            </a:lvl1pPr>
-            <a:lvl2pPr marL="685800" indent="-228600" algn="l" defTabSz="914400" rtl="0" eaLnBrk="1" latinLnBrk="0" hangingPunct="1">
-              <a:lnSpc>
-                <a:spcPct val="90000"/>
-              </a:lnSpc>
-              <a:spcBef>
-                <a:spcPts val="500"/>
-              </a:spcBef>
-              <a:buFontTx/>
-              <a:buBlip>
-                <a:blip r:embed="rId5"/>
-              </a:buBlip>
-              <a:defRPr sz="2000" kern="1200">
-                <a:solidFill>
-                  <a:schemeClr val="tx1">
-                    <a:lumMod val="85000"/>
-                    <a:lumOff val="15000"/>
-                  </a:schemeClr>
-                </a:solidFill>
-                <a:latin typeface="+mn-lt"/>
-                <a:ea typeface="+mn-ea"/>
-                <a:cs typeface="+mn-cs"/>
-              </a:defRPr>
-            </a:lvl2pPr>
-            <a:lvl3pPr marL="1143000" indent="-228600" algn="l" defTabSz="914400" rtl="0" eaLnBrk="1" latinLnBrk="0" hangingPunct="1">
-              <a:lnSpc>
-                <a:spcPct val="90000"/>
-              </a:lnSpc>
-              <a:spcBef>
-                <a:spcPts val="500"/>
-              </a:spcBef>
-              <a:buFont typeface="Arial" panose="020B0604020202020204" pitchFamily="34" charset="0"/>
-              <a:buChar char="•"/>
-              <a:defRPr sz="2000" kern="1200">
-                <a:solidFill>
-                  <a:schemeClr val="tx1">
-                    <a:lumMod val="50000"/>
-                    <a:lumOff val="50000"/>
-                  </a:schemeClr>
-                </a:solidFill>
-                <a:latin typeface="+mn-lt"/>
-                <a:ea typeface="+mn-ea"/>
-                <a:cs typeface="+mn-cs"/>
-              </a:defRPr>
-            </a:lvl3pPr>
-            <a:lvl4pPr marL="1600200" indent="-228600" algn="l" defTabSz="914400" rtl="0" eaLnBrk="1" latinLnBrk="0" hangingPunct="1">
-              <a:lnSpc>
-                <a:spcPct val="90000"/>
-              </a:lnSpc>
-              <a:spcBef>
-                <a:spcPts val="500"/>
-              </a:spcBef>
-              <a:buFont typeface="Arial" panose="020B0604020202020204" pitchFamily="34" charset="0"/>
-              <a:buChar char="•"/>
-              <a:defRPr sz="1800" kern="1200">
-                <a:solidFill>
-                  <a:schemeClr val="tx1">
-                    <a:lumMod val="50000"/>
-                    <a:lumOff val="50000"/>
-                  </a:schemeClr>
-                </a:solidFill>
-                <a:latin typeface="+mn-lt"/>
-                <a:ea typeface="+mn-ea"/>
-                <a:cs typeface="+mn-cs"/>
-              </a:defRPr>
-            </a:lvl4pPr>
-            <a:lvl5pPr marL="2057400" indent="-228600" algn="l" defTabSz="914400" rtl="0" eaLnBrk="1" latinLnBrk="0" hangingPunct="1">
-              <a:lnSpc>
-                <a:spcPct val="90000"/>
-              </a:lnSpc>
-              <a:spcBef>
-                <a:spcPts val="500"/>
-              </a:spcBef>
-              <a:buFont typeface="Arial" panose="020B0604020202020204" pitchFamily="34" charset="0"/>
-              <a:buChar char="•"/>
-              <a:defRPr sz="1800" kern="1200">
-                <a:solidFill>
-                  <a:schemeClr val="tx1">
-                    <a:lumMod val="50000"/>
-                    <a:lumOff val="50000"/>
-                  </a:schemeClr>
-                </a:solidFill>
-                <a:latin typeface="+mn-lt"/>
-                <a:ea typeface="+mn-ea"/>
-                <a:cs typeface="+mn-cs"/>
-              </a:defRPr>
-            </a:lvl5pPr>
-            <a:lvl6pPr marL="2514600" indent="-228600" algn="l" defTabSz="914400" rtl="0" eaLnBrk="1" latinLnBrk="0" hangingPunct="1">
-              <a:lnSpc>
-                <a:spcPct val="90000"/>
-              </a:lnSpc>
-              <a:spcBef>
-                <a:spcPts val="500"/>
-              </a:spcBef>
-              <a:buFont typeface="Arial" panose="020B0604020202020204" pitchFamily="34" charset="0"/>
-              <a:buChar char="•"/>
-              <a:defRPr sz="1800" kern="1200">
-                <a:solidFill>
-                  <a:schemeClr val="dk1"/>
-                </a:solidFill>
-                <a:latin typeface="+mn-lt"/>
-                <a:ea typeface="+mn-ea"/>
-                <a:cs typeface="+mn-cs"/>
-              </a:defRPr>
-            </a:lvl6pPr>
-            <a:lvl7pPr marL="2971800" indent="-228600" algn="l" defTabSz="914400" rtl="0" eaLnBrk="1" latinLnBrk="0" hangingPunct="1">
-              <a:lnSpc>
-                <a:spcPct val="90000"/>
-              </a:lnSpc>
-              <a:spcBef>
-                <a:spcPts val="500"/>
-              </a:spcBef>
-              <a:buFont typeface="Arial" panose="020B0604020202020204" pitchFamily="34" charset="0"/>
-              <a:buChar char="•"/>
-              <a:defRPr sz="1800" kern="1200">
-                <a:solidFill>
-                  <a:schemeClr val="dk1"/>
-                </a:solidFill>
-                <a:latin typeface="+mn-lt"/>
-                <a:ea typeface="+mn-ea"/>
-                <a:cs typeface="+mn-cs"/>
-              </a:defRPr>
-            </a:lvl7pPr>
-            <a:lvl8pPr marL="3429000" indent="-228600" algn="l" defTabSz="914400" rtl="0" eaLnBrk="1" latinLnBrk="0" hangingPunct="1">
-              <a:lnSpc>
-                <a:spcPct val="90000"/>
-              </a:lnSpc>
-              <a:spcBef>
-                <a:spcPts val="500"/>
-              </a:spcBef>
-              <a:buFont typeface="Arial" panose="020B0604020202020204" pitchFamily="34" charset="0"/>
-              <a:buChar char="•"/>
-              <a:defRPr sz="1800" kern="1200">
-                <a:solidFill>
-                  <a:schemeClr val="dk1"/>
-                </a:solidFill>
-                <a:latin typeface="+mn-lt"/>
-                <a:ea typeface="+mn-ea"/>
-                <a:cs typeface="+mn-cs"/>
-              </a:defRPr>
-            </a:lvl8pPr>
-            <a:lvl9pPr marL="3886200" indent="-228600" algn="l" defTabSz="914400" rtl="0" eaLnBrk="1" latinLnBrk="0" hangingPunct="1">
-              <a:lnSpc>
-                <a:spcPct val="90000"/>
-              </a:lnSpc>
-              <a:spcBef>
-                <a:spcPts val="500"/>
-              </a:spcBef>
-              <a:buFont typeface="Arial" panose="020B0604020202020204" pitchFamily="34" charset="0"/>
-              <a:buChar char="•"/>
-              <a:defRPr sz="1800" kern="1200">
-                <a:solidFill>
-                  <a:schemeClr val="dk1"/>
-                </a:solidFill>
-                <a:latin typeface="+mn-lt"/>
-                <a:ea typeface="+mn-ea"/>
-                <a:cs typeface="+mn-cs"/>
-              </a:defRPr>
-            </a:lvl9pPr>
-          </a:lstStyle>
-          <a:p>
-            <a:pPr algn="ctr">
-              <a:lnSpc>
-                <a:spcPct val="170000"/>
-              </a:lnSpc>
-            </a:pPr>
-            <a:r>
-              <a:rPr lang="en-IN" dirty="0"/>
-              <a:t>Toss Decision and Matches Won</a:t>
-            </a:r>
-          </a:p>
-        </p:txBody>
-      </p:sp>
-      <p:sp>
-        <p:nvSpPr>
-          <p:cNvPr id="14" name="TextBox 13">
-            <a:extLst>
-              <a:ext uri="{FF2B5EF4-FFF2-40B4-BE49-F238E27FC236}">
-                <a16:creationId xmlns:a16="http://schemas.microsoft.com/office/drawing/2014/main" id="{334E9528-7889-E114-9380-55C28679C946}"/>
-              </a:ext>
-            </a:extLst>
-          </p:cNvPr>
-          <p:cNvSpPr txBox="1"/>
-          <p:nvPr/>
-        </p:nvSpPr>
-        <p:spPr>
-          <a:xfrm>
-            <a:off x="6611657" y="5988182"/>
-            <a:ext cx="3886789" cy="369332"/>
-          </a:xfrm>
-          <a:prstGeom prst="rect">
-            <a:avLst/>
-          </a:prstGeom>
-          <a:noFill/>
-        </p:spPr>
-        <p:txBody>
-          <a:bodyPr wrap="square">
-            <a:spAutoFit/>
-          </a:bodyPr>
-          <a:lstStyle/>
-          <a:p>
-            <a:r>
-              <a:rPr lang="en-US" sz="1800" dirty="0">
-                <a:solidFill>
-                  <a:srgbClr val="005882"/>
-                </a:solidFill>
-              </a:rPr>
-              <a:t>Win by Maximum Wickets – 10 wickets</a:t>
-            </a:r>
-            <a:endParaRPr lang="en-IN" dirty="0"/>
-          </a:p>
-        </p:txBody>
-      </p:sp>
-    </p:spTree>
-    <p:extLst>
-      <p:ext uri="{BB962C8B-B14F-4D97-AF65-F5344CB8AC3E}">
-        <p14:creationId xmlns:p14="http://schemas.microsoft.com/office/powerpoint/2010/main" val="599441451"/>
-      </p:ext>
-    </p:extLst>
-  </p:cSld>
-  <p:clrMapOvr>
-    <a:masterClrMapping/>
-  </p:clrMapOvr>
-</p:sld>
-</file>
-
-<file path=ppt/slides/slide11.xml><?xml version="1.0" encoding="utf-8"?>
-<p:sld xmlns:a="http://schemas.openxmlformats.org/drawingml/2006/main" xmlns:r="http://schemas.openxmlformats.org/officeDocument/2006/relationships" xmlns:p="http://schemas.openxmlformats.org/presentationml/2006/main">
-  <p:cSld>
-    <p:spTree>
-      <p:nvGrpSpPr>
-        <p:cNvPr id="1" name=""/>
-        <p:cNvGrpSpPr/>
-        <p:nvPr/>
-      </p:nvGrpSpPr>
-      <p:grpSpPr>
-        <a:xfrm>
-          <a:off x="0" y="0"/>
-          <a:ext cx="0" cy="0"/>
-          <a:chOff x="0" y="0"/>
-          <a:chExt cx="0" cy="0"/>
-        </a:xfrm>
-      </p:grpSpPr>
-      <p:pic>
-        <p:nvPicPr>
           <p:cNvPr id="6" name="Picture 5">
             <a:extLst>
               <a:ext uri="{FF2B5EF4-FFF2-40B4-BE49-F238E27FC236}">
@@ -24586,7 +24009,7 @@
 </p:sld>
 </file>
 
-<file path=ppt/slides/slide12.xml><?xml version="1.0" encoding="utf-8"?>
+<file path=ppt/slides/slide11.xml><?xml version="1.0" encoding="utf-8"?>
 <p:sld xmlns:a="http://schemas.openxmlformats.org/drawingml/2006/main" xmlns:r="http://schemas.openxmlformats.org/officeDocument/2006/relationships" xmlns:p="http://schemas.openxmlformats.org/presentationml/2006/main">
   <p:cSld>
     <p:spTree>
@@ -25002,7 +24425,7 @@
 </p:sld>
 </file>
 
-<file path=ppt/slides/slide13.xml><?xml version="1.0" encoding="utf-8"?>
+<file path=ppt/slides/slide12.xml><?xml version="1.0" encoding="utf-8"?>
 <p:sld xmlns:a="http://schemas.openxmlformats.org/drawingml/2006/main" xmlns:r="http://schemas.openxmlformats.org/officeDocument/2006/relationships" xmlns:p="http://schemas.openxmlformats.org/presentationml/2006/main">
   <p:cSld>
     <p:spTree>
@@ -25278,7 +24701,7 @@
 </p:sld>
 </file>
 
-<file path=ppt/slides/slide14.xml><?xml version="1.0" encoding="utf-8"?>
+<file path=ppt/slides/slide13.xml><?xml version="1.0" encoding="utf-8"?>
 <p:sld xmlns:a="http://schemas.openxmlformats.org/drawingml/2006/main" xmlns:r="http://schemas.openxmlformats.org/officeDocument/2006/relationships" xmlns:p="http://schemas.openxmlformats.org/presentationml/2006/main">
   <p:cSld>
     <p:spTree>
@@ -25361,7 +24784,7 @@
 </p:sld>
 </file>
 
-<file path=ppt/slides/slide15.xml><?xml version="1.0" encoding="utf-8"?>
+<file path=ppt/slides/slide14.xml><?xml version="1.0" encoding="utf-8"?>
 <p:sld xmlns:a="http://schemas.openxmlformats.org/drawingml/2006/main" xmlns:r="http://schemas.openxmlformats.org/officeDocument/2006/relationships" xmlns:p="http://schemas.openxmlformats.org/presentationml/2006/main">
   <p:cSld>
     <p:spTree>
@@ -25637,7 +25060,7 @@
 </p:sld>
 </file>
 
-<file path=ppt/slides/slide16.xml><?xml version="1.0" encoding="utf-8"?>
+<file path=ppt/slides/slide15.xml><?xml version="1.0" encoding="utf-8"?>
 <p:sld xmlns:a="http://schemas.openxmlformats.org/drawingml/2006/main" xmlns:r="http://schemas.openxmlformats.org/officeDocument/2006/relationships" xmlns:p="http://schemas.openxmlformats.org/presentationml/2006/main">
   <p:cSld>
     <p:spTree>
@@ -25911,7 +25334,7 @@
 </p:sld>
 </file>
 
-<file path=ppt/slides/slide17.xml><?xml version="1.0" encoding="utf-8"?>
+<file path=ppt/slides/slide16.xml><?xml version="1.0" encoding="utf-8"?>
 <p:sld xmlns:a="http://schemas.openxmlformats.org/drawingml/2006/main" xmlns:r="http://schemas.openxmlformats.org/officeDocument/2006/relationships" xmlns:p="http://schemas.openxmlformats.org/presentationml/2006/main">
   <p:cSld>
     <p:spTree>
@@ -26684,7 +26107,7 @@
 </p:sld>
 </file>
 
-<file path=ppt/slides/slide18.xml><?xml version="1.0" encoding="utf-8"?>
+<file path=ppt/slides/slide17.xml><?xml version="1.0" encoding="utf-8"?>
 <p:sld xmlns:a="http://schemas.openxmlformats.org/drawingml/2006/main" xmlns:r="http://schemas.openxmlformats.org/officeDocument/2006/relationships" xmlns:p="http://schemas.openxmlformats.org/presentationml/2006/main">
   <p:cSld>
     <p:spTree>
@@ -26743,544 +26166,6 @@
 </file>
 
 <file path=ppt/slides/slide2.xml><?xml version="1.0" encoding="utf-8"?>
-<p:sld xmlns:a="http://schemas.openxmlformats.org/drawingml/2006/main" xmlns:r="http://schemas.openxmlformats.org/officeDocument/2006/relationships" xmlns:p="http://schemas.openxmlformats.org/presentationml/2006/main">
-  <p:cSld>
-    <p:spTree>
-      <p:nvGrpSpPr>
-        <p:cNvPr id="1" name=""/>
-        <p:cNvGrpSpPr/>
-        <p:nvPr/>
-      </p:nvGrpSpPr>
-      <p:grpSpPr>
-        <a:xfrm>
-          <a:off x="0" y="0"/>
-          <a:ext cx="0" cy="0"/>
-          <a:chOff x="0" y="0"/>
-          <a:chExt cx="0" cy="0"/>
-        </a:xfrm>
-      </p:grpSpPr>
-      <p:sp>
-        <p:nvSpPr>
-          <p:cNvPr id="2" name="Title 1">
-            <a:extLst>
-              <a:ext uri="{FF2B5EF4-FFF2-40B4-BE49-F238E27FC236}">
-                <a16:creationId xmlns:a16="http://schemas.microsoft.com/office/drawing/2014/main" id="{64747633-EFB1-4416-8011-1147D195B44D}"/>
-              </a:ext>
-            </a:extLst>
-          </p:cNvPr>
-          <p:cNvSpPr>
-            <a:spLocks noGrp="1"/>
-          </p:cNvSpPr>
-          <p:nvPr>
-            <p:ph type="title"/>
-          </p:nvPr>
-        </p:nvSpPr>
-        <p:spPr>
-          <a:xfrm>
-            <a:off x="838200" y="98475"/>
-            <a:ext cx="10515600" cy="717452"/>
-          </a:xfrm>
-        </p:spPr>
-        <p:txBody>
-          <a:bodyPr>
-            <a:normAutofit/>
-          </a:bodyPr>
-          <a:lstStyle/>
-          <a:p>
-            <a:r>
-              <a:rPr lang="en-US" sz="2800" dirty="0"/>
-              <a:t>Agenda</a:t>
-            </a:r>
-          </a:p>
-        </p:txBody>
-      </p:sp>
-      <p:sp>
-        <p:nvSpPr>
-          <p:cNvPr id="6" name="TextBox 5">
-            <a:extLst>
-              <a:ext uri="{FF2B5EF4-FFF2-40B4-BE49-F238E27FC236}">
-                <a16:creationId xmlns:a16="http://schemas.microsoft.com/office/drawing/2014/main" id="{8AD3D6BF-4257-4C28-AE98-B97CEE27C8F2}"/>
-              </a:ext>
-            </a:extLst>
-          </p:cNvPr>
-          <p:cNvSpPr txBox="1"/>
-          <p:nvPr/>
-        </p:nvSpPr>
-        <p:spPr>
-          <a:xfrm>
-            <a:off x="838200" y="984739"/>
-            <a:ext cx="11119338" cy="4647426"/>
-          </a:xfrm>
-          <a:prstGeom prst="rect">
-            <a:avLst/>
-          </a:prstGeom>
-          <a:noFill/>
-        </p:spPr>
-        <p:txBody>
-          <a:bodyPr wrap="square" rtlCol="0">
-            <a:spAutoFit/>
-          </a:bodyPr>
-          <a:lstStyle/>
-          <a:p>
-            <a:pPr marL="633413" marR="0" lvl="0" indent="-633413" algn="l" defTabSz="914400" rtl="0" eaLnBrk="1" fontAlgn="auto" latinLnBrk="0" hangingPunct="1">
-              <a:spcBef>
-                <a:spcPts val="1000"/>
-              </a:spcBef>
-              <a:spcAft>
-                <a:spcPts val="0"/>
-              </a:spcAft>
-              <a:buClrTx/>
-              <a:buSzTx/>
-              <a:buFont typeface="+mj-lt"/>
-              <a:buAutoNum type="romanUcPeriod"/>
-              <a:tabLst/>
-              <a:defRPr/>
-            </a:pPr>
-            <a:r>
-              <a:rPr kumimoji="0" lang="en-US" sz="1600" b="0" i="0" u="none" strike="noStrike" kern="1200" cap="none" spc="0" normalizeH="0" baseline="0" noProof="0" dirty="0">
-                <a:ln>
-                  <a:noFill/>
-                </a:ln>
-                <a:solidFill>
-                  <a:schemeClr val="bg1"/>
-                </a:solidFill>
-                <a:effectLst/>
-                <a:uLnTx/>
-                <a:uFillTx/>
-                <a:latin typeface="Open Sans" panose="020B0606030504020204" pitchFamily="34" charset="0"/>
-                <a:ea typeface="+mn-ea"/>
-                <a:cs typeface="+mn-cs"/>
-              </a:rPr>
-              <a:t>Business Problem and Objectives</a:t>
-            </a:r>
-          </a:p>
-          <a:p>
-            <a:pPr marL="633413" marR="0" lvl="0" indent="-633413" algn="l" defTabSz="914400" rtl="0" eaLnBrk="1" fontAlgn="auto" latinLnBrk="0" hangingPunct="1">
-              <a:spcBef>
-                <a:spcPts val="1000"/>
-              </a:spcBef>
-              <a:spcAft>
-                <a:spcPts val="0"/>
-              </a:spcAft>
-              <a:buClrTx/>
-              <a:buSzTx/>
-              <a:buFont typeface="+mj-lt"/>
-              <a:buAutoNum type="romanUcPeriod"/>
-              <a:tabLst/>
-              <a:defRPr/>
-            </a:pPr>
-            <a:r>
-              <a:rPr kumimoji="0" lang="en-US" sz="1600" b="0" i="0" u="none" strike="noStrike" kern="1200" cap="none" spc="0" normalizeH="0" baseline="0" noProof="0" dirty="0">
-                <a:ln>
-                  <a:noFill/>
-                </a:ln>
-                <a:solidFill>
-                  <a:schemeClr val="bg1"/>
-                </a:solidFill>
-                <a:effectLst/>
-                <a:uLnTx/>
-                <a:uFillTx/>
-                <a:latin typeface="Open Sans" panose="020B0606030504020204" pitchFamily="34" charset="0"/>
-                <a:ea typeface="+mn-ea"/>
-                <a:cs typeface="+mn-cs"/>
-              </a:rPr>
-              <a:t>Executive Summary</a:t>
-            </a:r>
-          </a:p>
-          <a:p>
-            <a:pPr marL="633413" marR="0" lvl="0" indent="-633413" algn="l" defTabSz="914400" rtl="0" eaLnBrk="1" fontAlgn="auto" latinLnBrk="0" hangingPunct="1">
-              <a:spcBef>
-                <a:spcPts val="1000"/>
-              </a:spcBef>
-              <a:spcAft>
-                <a:spcPts val="0"/>
-              </a:spcAft>
-              <a:buClrTx/>
-              <a:buSzTx/>
-              <a:buFont typeface="+mj-lt"/>
-              <a:buAutoNum type="romanUcPeriod"/>
-              <a:tabLst/>
-              <a:defRPr/>
-            </a:pPr>
-            <a:r>
-              <a:rPr lang="en-US" sz="1600" dirty="0">
-                <a:solidFill>
-                  <a:schemeClr val="bg1"/>
-                </a:solidFill>
-                <a:latin typeface="Open Sans" panose="020B0606030504020204" pitchFamily="34" charset="0"/>
-              </a:rPr>
-              <a:t>Data Overview and Key Business Assumptions (if any)</a:t>
-            </a:r>
-          </a:p>
-          <a:p>
-            <a:pPr marL="633413" marR="0" lvl="0" indent="-633413" algn="l" defTabSz="914400" rtl="0" eaLnBrk="1" fontAlgn="auto" latinLnBrk="0" hangingPunct="1">
-              <a:spcBef>
-                <a:spcPts val="1000"/>
-              </a:spcBef>
-              <a:spcAft>
-                <a:spcPts val="0"/>
-              </a:spcAft>
-              <a:buClrTx/>
-              <a:buSzTx/>
-              <a:buFont typeface="+mj-lt"/>
-              <a:buAutoNum type="romanUcPeriod"/>
-              <a:tabLst/>
-              <a:defRPr/>
-            </a:pPr>
-            <a:r>
-              <a:rPr lang="en-US" sz="1600" dirty="0">
-                <a:solidFill>
-                  <a:schemeClr val="bg1"/>
-                </a:solidFill>
-                <a:latin typeface="Open Sans" panose="020B0606030504020204" pitchFamily="34" charset="0"/>
-              </a:rPr>
-              <a:t>Data Preparation and Pre-processing</a:t>
-            </a:r>
-          </a:p>
-          <a:p>
-            <a:pPr marL="1082675" lvl="1" indent="-280988">
-              <a:spcBef>
-                <a:spcPts val="1000"/>
-              </a:spcBef>
-              <a:buFont typeface="Open Sans" panose="020B0606030504020204" pitchFamily="34" charset="0"/>
-              <a:buChar char="−"/>
-              <a:tabLst>
-                <a:tab pos="984250" algn="l"/>
-              </a:tabLst>
-              <a:defRPr/>
-            </a:pPr>
-            <a:r>
-              <a:rPr lang="en-US" sz="1200" dirty="0">
-                <a:solidFill>
-                  <a:schemeClr val="bg1"/>
-                </a:solidFill>
-                <a:latin typeface="Open Sans" panose="020B0606030504020204" pitchFamily="34" charset="0"/>
-              </a:rPr>
-              <a:t>Sanity checks, treatment and transformations for analytical dataset preparation</a:t>
-            </a:r>
-          </a:p>
-          <a:p>
-            <a:pPr marL="633413" marR="0" lvl="0" indent="-633413" algn="l" defTabSz="914400" rtl="0" eaLnBrk="1" fontAlgn="auto" latinLnBrk="0" hangingPunct="1">
-              <a:spcBef>
-                <a:spcPts val="1000"/>
-              </a:spcBef>
-              <a:spcAft>
-                <a:spcPts val="0"/>
-              </a:spcAft>
-              <a:buClrTx/>
-              <a:buSzTx/>
-              <a:buFont typeface="+mj-lt"/>
-              <a:buAutoNum type="romanUcPeriod"/>
-              <a:tabLst/>
-              <a:defRPr/>
-            </a:pPr>
-            <a:r>
-              <a:rPr kumimoji="0" lang="en-US" sz="1600" b="0" i="0" u="none" strike="noStrike" kern="1200" cap="none" spc="0" normalizeH="0" baseline="0" noProof="0" dirty="0">
-                <a:ln>
-                  <a:noFill/>
-                </a:ln>
-                <a:solidFill>
-                  <a:prstClr val="white"/>
-                </a:solidFill>
-                <a:effectLst/>
-                <a:uLnTx/>
-                <a:uFillTx/>
-                <a:latin typeface="Open Sans" panose="020B0606030504020204" pitchFamily="34" charset="0"/>
-                <a:ea typeface="+mn-ea"/>
-                <a:cs typeface="+mn-cs"/>
-              </a:rPr>
-              <a:t>Exploratory Data Analysis</a:t>
-            </a:r>
-          </a:p>
-          <a:p>
-            <a:pPr marL="1082675" marR="0" lvl="1" indent="-280988" algn="l" defTabSz="914400" rtl="0" eaLnBrk="1" fontAlgn="auto" latinLnBrk="0" hangingPunct="1">
-              <a:spcBef>
-                <a:spcPts val="1000"/>
-              </a:spcBef>
-              <a:spcAft>
-                <a:spcPts val="0"/>
-              </a:spcAft>
-              <a:buClrTx/>
-              <a:buSzTx/>
-              <a:buFont typeface="Open Sans" panose="020B0606030504020204" pitchFamily="34" charset="0"/>
-              <a:buChar char="−"/>
-              <a:tabLst>
-                <a:tab pos="984250" algn="l"/>
-              </a:tabLst>
-              <a:defRPr/>
-            </a:pPr>
-            <a:r>
-              <a:rPr kumimoji="0" lang="en-US" sz="1200" b="0" i="0" u="none" strike="noStrike" kern="1200" cap="none" spc="0" normalizeH="0" baseline="0" noProof="0" dirty="0">
-                <a:ln>
-                  <a:noFill/>
-                </a:ln>
-                <a:solidFill>
-                  <a:prstClr val="white"/>
-                </a:solidFill>
-                <a:effectLst/>
-                <a:uLnTx/>
-                <a:uFillTx/>
-                <a:latin typeface="Open Sans" panose="020B0606030504020204" pitchFamily="34" charset="0"/>
-                <a:ea typeface="+mn-ea"/>
-                <a:cs typeface="+mn-cs"/>
-              </a:rPr>
-              <a:t>Key Business Findings and Insights</a:t>
-            </a:r>
-          </a:p>
-          <a:p>
-            <a:pPr marL="633413" marR="0" lvl="0" indent="-633413" algn="l" defTabSz="914400" rtl="0" eaLnBrk="1" fontAlgn="auto" latinLnBrk="0" hangingPunct="1">
-              <a:spcBef>
-                <a:spcPts val="1000"/>
-              </a:spcBef>
-              <a:spcAft>
-                <a:spcPts val="0"/>
-              </a:spcAft>
-              <a:buClrTx/>
-              <a:buSzTx/>
-              <a:buFont typeface="+mj-lt"/>
-              <a:buAutoNum type="romanUcPeriod"/>
-              <a:tabLst/>
-              <a:defRPr/>
-            </a:pPr>
-            <a:r>
-              <a:rPr kumimoji="0" lang="en-US" sz="1600" b="0" i="0" u="none" strike="noStrike" kern="1200" cap="none" spc="0" normalizeH="0" baseline="0" noProof="0" dirty="0">
-                <a:ln>
-                  <a:noFill/>
-                </a:ln>
-                <a:solidFill>
-                  <a:prstClr val="white"/>
-                </a:solidFill>
-                <a:effectLst/>
-                <a:uLnTx/>
-                <a:uFillTx/>
-                <a:latin typeface="Open Sans" panose="020B0606030504020204" pitchFamily="34" charset="0"/>
-                <a:ea typeface="+mn-ea"/>
-                <a:cs typeface="+mn-cs"/>
-              </a:rPr>
-              <a:t>Model Development and Validations</a:t>
-            </a:r>
-          </a:p>
-          <a:p>
-            <a:pPr marL="1082675" marR="0" lvl="1" indent="-280988" algn="l" defTabSz="914400" rtl="0" eaLnBrk="1" fontAlgn="auto" latinLnBrk="0" hangingPunct="1">
-              <a:spcBef>
-                <a:spcPts val="1000"/>
-              </a:spcBef>
-              <a:spcAft>
-                <a:spcPts val="0"/>
-              </a:spcAft>
-              <a:buClrTx/>
-              <a:buSzTx/>
-              <a:buFont typeface="Open Sans" panose="020B0606030504020204" pitchFamily="34" charset="0"/>
-              <a:buChar char="−"/>
-              <a:tabLst>
-                <a:tab pos="984250" algn="l"/>
-              </a:tabLst>
-              <a:defRPr/>
-            </a:pPr>
-            <a:r>
-              <a:rPr kumimoji="0" lang="en-US" sz="1200" b="0" i="0" u="none" strike="noStrike" kern="1200" cap="none" spc="0" normalizeH="0" baseline="0" noProof="0" dirty="0">
-                <a:ln>
-                  <a:noFill/>
-                </a:ln>
-                <a:solidFill>
-                  <a:prstClr val="white"/>
-                </a:solidFill>
-                <a:effectLst/>
-                <a:uLnTx/>
-                <a:uFillTx/>
-                <a:latin typeface="Open Sans" panose="020B0606030504020204" pitchFamily="34" charset="0"/>
-                <a:ea typeface="+mn-ea"/>
-                <a:cs typeface="+mn-cs"/>
-              </a:rPr>
-              <a:t>Model comparisons on key scoring metrics and model finalization</a:t>
-            </a:r>
-          </a:p>
-          <a:p>
-            <a:pPr marL="633413" marR="0" lvl="0" indent="-633413" algn="l" defTabSz="914400" rtl="0" eaLnBrk="1" fontAlgn="auto" latinLnBrk="0" hangingPunct="1">
-              <a:spcBef>
-                <a:spcPts val="1000"/>
-              </a:spcBef>
-              <a:spcAft>
-                <a:spcPts val="0"/>
-              </a:spcAft>
-              <a:buClrTx/>
-              <a:buSzTx/>
-              <a:buFont typeface="+mj-lt"/>
-              <a:buAutoNum type="romanUcPeriod"/>
-              <a:tabLst/>
-              <a:defRPr/>
-            </a:pPr>
-            <a:r>
-              <a:rPr kumimoji="0" lang="en-US" sz="1600" b="0" i="0" u="none" strike="noStrike" kern="1200" cap="none" spc="0" normalizeH="0" baseline="0" noProof="0" dirty="0">
-                <a:ln>
-                  <a:noFill/>
-                </a:ln>
-                <a:solidFill>
-                  <a:prstClr val="white"/>
-                </a:solidFill>
-                <a:effectLst/>
-                <a:uLnTx/>
-                <a:uFillTx/>
-                <a:latin typeface="Open Sans" panose="020B0606030504020204" pitchFamily="34" charset="0"/>
-                <a:ea typeface="+mn-ea"/>
-                <a:cs typeface="+mn-cs"/>
-              </a:rPr>
-              <a:t>Dashboarding (required only</a:t>
-            </a:r>
-            <a:r>
-              <a:rPr lang="en-US" sz="1600" dirty="0">
-                <a:solidFill>
-                  <a:prstClr val="white"/>
-                </a:solidFill>
-                <a:latin typeface="Open Sans" panose="020B0606030504020204" pitchFamily="34" charset="0"/>
-              </a:rPr>
-              <a:t> when it is in scope of analysis)</a:t>
-            </a:r>
-            <a:endParaRPr kumimoji="0" lang="en-US" sz="1600" b="0" i="0" u="none" strike="noStrike" kern="1200" cap="none" spc="0" normalizeH="0" baseline="0" noProof="0" dirty="0">
-              <a:ln>
-                <a:noFill/>
-              </a:ln>
-              <a:solidFill>
-                <a:prstClr val="white"/>
-              </a:solidFill>
-              <a:effectLst/>
-              <a:uLnTx/>
-              <a:uFillTx/>
-              <a:latin typeface="Open Sans" panose="020B0606030504020204" pitchFamily="34" charset="0"/>
-              <a:ea typeface="+mn-ea"/>
-              <a:cs typeface="+mn-cs"/>
-            </a:endParaRPr>
-          </a:p>
-          <a:p>
-            <a:pPr marL="633413" marR="0" lvl="0" indent="-633413" algn="l" defTabSz="914400" rtl="0" eaLnBrk="1" fontAlgn="auto" latinLnBrk="0" hangingPunct="1">
-              <a:spcBef>
-                <a:spcPts val="1000"/>
-              </a:spcBef>
-              <a:spcAft>
-                <a:spcPts val="0"/>
-              </a:spcAft>
-              <a:buClrTx/>
-              <a:buSzTx/>
-              <a:buFont typeface="+mj-lt"/>
-              <a:buAutoNum type="romanUcPeriod"/>
-              <a:tabLst/>
-              <a:defRPr/>
-            </a:pPr>
-            <a:r>
-              <a:rPr kumimoji="0" lang="en-US" sz="1600" b="0" i="0" u="none" strike="noStrike" kern="1200" cap="none" spc="0" normalizeH="0" baseline="0" noProof="0" dirty="0">
-                <a:ln>
-                  <a:noFill/>
-                </a:ln>
-                <a:solidFill>
-                  <a:prstClr val="white"/>
-                </a:solidFill>
-                <a:effectLst/>
-                <a:uLnTx/>
-                <a:uFillTx/>
-                <a:latin typeface="Open Sans" panose="020B0606030504020204" pitchFamily="34" charset="0"/>
-                <a:ea typeface="+mn-ea"/>
-                <a:cs typeface="+mn-cs"/>
-              </a:rPr>
-              <a:t>Business</a:t>
-            </a:r>
-            <a:r>
-              <a:rPr lang="en-US" sz="1600" dirty="0">
-                <a:solidFill>
-                  <a:prstClr val="white"/>
-                </a:solidFill>
-                <a:latin typeface="Open Sans" panose="020B0606030504020204" pitchFamily="34" charset="0"/>
-              </a:rPr>
-              <a:t>s Recommendations and Potential Business Impact</a:t>
-            </a:r>
-          </a:p>
-          <a:p>
-            <a:pPr marL="633413" marR="0" lvl="0" indent="-633413" algn="l" defTabSz="914400" rtl="0" eaLnBrk="1" fontAlgn="auto" latinLnBrk="0" hangingPunct="1">
-              <a:spcBef>
-                <a:spcPts val="1000"/>
-              </a:spcBef>
-              <a:spcAft>
-                <a:spcPts val="0"/>
-              </a:spcAft>
-              <a:buClrTx/>
-              <a:buSzTx/>
-              <a:buFont typeface="+mj-lt"/>
-              <a:buAutoNum type="romanUcPeriod"/>
-              <a:tabLst/>
-              <a:defRPr/>
-            </a:pPr>
-            <a:r>
-              <a:rPr kumimoji="0" lang="en-US" sz="1600" b="0" i="0" u="none" strike="noStrike" kern="1200" cap="none" spc="0" normalizeH="0" baseline="0" noProof="0" dirty="0">
-                <a:ln>
-                  <a:noFill/>
-                </a:ln>
-                <a:solidFill>
-                  <a:prstClr val="white"/>
-                </a:solidFill>
-                <a:effectLst/>
-                <a:uLnTx/>
-                <a:uFillTx/>
-                <a:latin typeface="Open Sans" panose="020B0606030504020204" pitchFamily="34" charset="0"/>
-                <a:ea typeface="+mn-ea"/>
-                <a:cs typeface="+mn-cs"/>
-              </a:rPr>
-              <a:t>Next Steps</a:t>
-            </a:r>
-          </a:p>
-          <a:p>
-            <a:pPr marL="633413" marR="0" lvl="0" indent="-633413" algn="l" defTabSz="914400" rtl="0" eaLnBrk="1" fontAlgn="auto" latinLnBrk="0" hangingPunct="1">
-              <a:spcBef>
-                <a:spcPts val="1000"/>
-              </a:spcBef>
-              <a:spcAft>
-                <a:spcPts val="0"/>
-              </a:spcAft>
-              <a:buClrTx/>
-              <a:buSzTx/>
-              <a:buFont typeface="+mj-lt"/>
-              <a:buAutoNum type="romanUcPeriod"/>
-              <a:tabLst/>
-              <a:defRPr/>
-            </a:pPr>
-            <a:r>
-              <a:rPr lang="en-US" sz="1600" dirty="0">
-                <a:solidFill>
-                  <a:prstClr val="white"/>
-                </a:solidFill>
-                <a:latin typeface="Open Sans" panose="020B0606030504020204" pitchFamily="34" charset="0"/>
-              </a:rPr>
-              <a:t>Appendix</a:t>
-            </a:r>
-            <a:endParaRPr kumimoji="0" lang="en-US" b="0" i="1" u="none" strike="noStrike" kern="1200" cap="none" spc="0" normalizeH="0" baseline="0" noProof="0" dirty="0">
-              <a:ln>
-                <a:noFill/>
-              </a:ln>
-              <a:solidFill>
-                <a:schemeClr val="bg1"/>
-              </a:solidFill>
-              <a:effectLst/>
-              <a:uLnTx/>
-              <a:uFillTx/>
-              <a:latin typeface="Calibri" panose="020F0502020204030204"/>
-              <a:ea typeface="+mn-ea"/>
-              <a:cs typeface="+mn-cs"/>
-            </a:endParaRPr>
-          </a:p>
-        </p:txBody>
-      </p:sp>
-    </p:spTree>
-    <p:extLst>
-      <p:ext uri="{BB962C8B-B14F-4D97-AF65-F5344CB8AC3E}">
-        <p14:creationId xmlns:p14="http://schemas.microsoft.com/office/powerpoint/2010/main" val="4280789637"/>
-      </p:ext>
-    </p:extLst>
-  </p:cSld>
-  <p:clrMapOvr>
-    <a:masterClrMapping/>
-  </p:clrMapOvr>
-</p:sld>
-</file>
-
-<file path=ppt/slides/slide3.xml><?xml version="1.0" encoding="utf-8"?>
 <p:sld xmlns:a="http://schemas.openxmlformats.org/drawingml/2006/main" xmlns:r="http://schemas.openxmlformats.org/officeDocument/2006/relationships" xmlns:p="http://schemas.openxmlformats.org/presentationml/2006/main">
   <p:cSld>
     <p:spTree>
@@ -27691,7 +26576,7 @@
 </p:sld>
 </file>
 
-<file path=ppt/slides/slide4.xml><?xml version="1.0" encoding="utf-8"?>
+<file path=ppt/slides/slide3.xml><?xml version="1.0" encoding="utf-8"?>
 <p:sld xmlns:a="http://schemas.openxmlformats.org/drawingml/2006/main" xmlns:r="http://schemas.openxmlformats.org/officeDocument/2006/relationships" xmlns:p="http://schemas.openxmlformats.org/presentationml/2006/main">
   <p:cSld>
     <p:spTree>
@@ -28063,7 +26948,7 @@
 </p:sld>
 </file>
 
-<file path=ppt/slides/slide5.xml><?xml version="1.0" encoding="utf-8"?>
+<file path=ppt/slides/slide4.xml><?xml version="1.0" encoding="utf-8"?>
 <p:sld xmlns:a="http://schemas.openxmlformats.org/drawingml/2006/main" xmlns:r="http://schemas.openxmlformats.org/officeDocument/2006/relationships" xmlns:p="http://schemas.openxmlformats.org/presentationml/2006/main">
   <p:cSld>
     <p:spTree>
@@ -28408,7 +27293,7 @@
 </p:sld>
 </file>
 
-<file path=ppt/slides/slide6.xml><?xml version="1.0" encoding="utf-8"?>
+<file path=ppt/slides/slide5.xml><?xml version="1.0" encoding="utf-8"?>
 <p:sld xmlns:a="http://schemas.openxmlformats.org/drawingml/2006/main" xmlns:r="http://schemas.openxmlformats.org/officeDocument/2006/relationships" xmlns:p="http://schemas.openxmlformats.org/presentationml/2006/main">
   <p:cSld>
     <p:spTree>
@@ -28682,7 +27567,7 @@
 </p:sld>
 </file>
 
-<file path=ppt/slides/slide7.xml><?xml version="1.0" encoding="utf-8"?>
+<file path=ppt/slides/slide6.xml><?xml version="1.0" encoding="utf-8"?>
 <p:sld xmlns:a="http://schemas.openxmlformats.org/drawingml/2006/main" xmlns:r="http://schemas.openxmlformats.org/officeDocument/2006/relationships" xmlns:p="http://schemas.openxmlformats.org/presentationml/2006/main">
   <p:cSld>
     <p:spTree>
@@ -28740,7 +27625,7 @@
 </p:sld>
 </file>
 
-<file path=ppt/slides/slide8.xml><?xml version="1.0" encoding="utf-8"?>
+<file path=ppt/slides/slide7.xml><?xml version="1.0" encoding="utf-8"?>
 <p:sld xmlns:a="http://schemas.openxmlformats.org/drawingml/2006/main" xmlns:r="http://schemas.openxmlformats.org/officeDocument/2006/relationships" xmlns:p="http://schemas.openxmlformats.org/presentationml/2006/main">
   <p:cSld>
     <p:spTree>
@@ -29074,7 +27959,7 @@
 </p:sld>
 </file>
 
-<file path=ppt/slides/slide9.xml><?xml version="1.0" encoding="utf-8"?>
+<file path=ppt/slides/slide8.xml><?xml version="1.0" encoding="utf-8"?>
 <p:sld xmlns:a="http://schemas.openxmlformats.org/drawingml/2006/main" xmlns:r="http://schemas.openxmlformats.org/officeDocument/2006/relationships" xmlns:p="http://schemas.openxmlformats.org/presentationml/2006/main">
   <p:cSld>
     <p:spTree>
@@ -29630,6 +28515,582 @@
     <p:extLst>
       <p:ext uri="{BB962C8B-B14F-4D97-AF65-F5344CB8AC3E}">
         <p14:creationId xmlns:p14="http://schemas.microsoft.com/office/powerpoint/2010/main" val="3359741548"/>
+      </p:ext>
+    </p:extLst>
+  </p:cSld>
+  <p:clrMapOvr>
+    <a:masterClrMapping/>
+  </p:clrMapOvr>
+</p:sld>
+</file>
+
+<file path=ppt/slides/slide9.xml><?xml version="1.0" encoding="utf-8"?>
+<p:sld xmlns:a="http://schemas.openxmlformats.org/drawingml/2006/main" xmlns:r="http://schemas.openxmlformats.org/officeDocument/2006/relationships" xmlns:p="http://schemas.openxmlformats.org/presentationml/2006/main">
+  <p:cSld>
+    <p:spTree>
+      <p:nvGrpSpPr>
+        <p:cNvPr id="1" name=""/>
+        <p:cNvGrpSpPr/>
+        <p:nvPr/>
+      </p:nvGrpSpPr>
+      <p:grpSpPr>
+        <a:xfrm>
+          <a:off x="0" y="0"/>
+          <a:ext cx="0" cy="0"/>
+          <a:chOff x="0" y="0"/>
+          <a:chExt cx="0" cy="0"/>
+        </a:xfrm>
+      </p:grpSpPr>
+      <p:pic>
+        <p:nvPicPr>
+          <p:cNvPr id="4098" name="Picture 2">
+            <a:extLst>
+              <a:ext uri="{FF2B5EF4-FFF2-40B4-BE49-F238E27FC236}">
+                <a16:creationId xmlns:a16="http://schemas.microsoft.com/office/drawing/2014/main" id="{48FCB275-C919-5D05-33E0-9858C4B85939}"/>
+              </a:ext>
+            </a:extLst>
+          </p:cNvPr>
+          <p:cNvPicPr>
+            <a:picLocks noChangeAspect="1" noChangeArrowheads="1"/>
+          </p:cNvPicPr>
+          <p:nvPr/>
+        </p:nvPicPr>
+        <p:blipFill>
+          <a:blip r:embed="rId2">
+            <a:extLst>
+              <a:ext uri="{28A0092B-C50C-407E-A947-70E740481C1C}">
+                <a14:useLocalDpi xmlns:a14="http://schemas.microsoft.com/office/drawing/2010/main" val="0"/>
+              </a:ext>
+            </a:extLst>
+          </a:blip>
+          <a:srcRect/>
+          <a:stretch>
+            <a:fillRect/>
+          </a:stretch>
+        </p:blipFill>
+        <p:spPr bwMode="auto">
+          <a:xfrm>
+            <a:off x="5458857" y="281061"/>
+            <a:ext cx="5787415" cy="1824576"/>
+          </a:xfrm>
+          <a:prstGeom prst="rect">
+            <a:avLst/>
+          </a:prstGeom>
+          <a:noFill/>
+          <a:ln>
+            <a:solidFill>
+              <a:schemeClr val="accent1">
+                <a:lumMod val="60000"/>
+                <a:lumOff val="40000"/>
+              </a:schemeClr>
+            </a:solidFill>
+          </a:ln>
+          <a:extLst>
+            <a:ext uri="{909E8E84-426E-40DD-AFC4-6F175D3DCCD1}">
+              <a14:hiddenFill xmlns:a14="http://schemas.microsoft.com/office/drawing/2010/main">
+                <a:solidFill>
+                  <a:srgbClr val="FFFFFF"/>
+                </a:solidFill>
+              </a14:hiddenFill>
+            </a:ext>
+          </a:extLst>
+        </p:spPr>
+      </p:pic>
+      <p:sp>
+        <p:nvSpPr>
+          <p:cNvPr id="7" name="TextBox 6">
+            <a:extLst>
+              <a:ext uri="{FF2B5EF4-FFF2-40B4-BE49-F238E27FC236}">
+                <a16:creationId xmlns:a16="http://schemas.microsoft.com/office/drawing/2014/main" id="{1D0CB1AC-BD58-9E80-6C69-14A860A56FC6}"/>
+              </a:ext>
+            </a:extLst>
+          </p:cNvPr>
+          <p:cNvSpPr txBox="1"/>
+          <p:nvPr/>
+        </p:nvSpPr>
+        <p:spPr>
+          <a:xfrm>
+            <a:off x="260317" y="1128052"/>
+            <a:ext cx="4907584" cy="792781"/>
+          </a:xfrm>
+          <a:prstGeom prst="rect">
+            <a:avLst/>
+          </a:prstGeom>
+          <a:noFill/>
+        </p:spPr>
+        <p:txBody>
+          <a:bodyPr wrap="square">
+            <a:spAutoFit/>
+          </a:bodyPr>
+          <a:lstStyle/>
+          <a:p>
+            <a:pPr marL="742950" lvl="1" indent="-285750">
+              <a:lnSpc>
+                <a:spcPct val="150000"/>
+              </a:lnSpc>
+              <a:buFont typeface="Wingdings" panose="05000000000000000000" pitchFamily="2" charset="2"/>
+              <a:buChar char="§"/>
+            </a:pPr>
+            <a:r>
+              <a:rPr lang="en-US" sz="1600" dirty="0">
+                <a:solidFill>
+                  <a:srgbClr val="0070C0"/>
+                </a:solidFill>
+              </a:rPr>
+              <a:t>No. of Matches Win by Wickets = 435 matches </a:t>
+            </a:r>
+          </a:p>
+          <a:p>
+            <a:pPr marL="742950" lvl="1" indent="-285750">
+              <a:lnSpc>
+                <a:spcPct val="150000"/>
+              </a:lnSpc>
+              <a:buFont typeface="Wingdings" panose="05000000000000000000" pitchFamily="2" charset="2"/>
+              <a:buChar char="§"/>
+            </a:pPr>
+            <a:r>
+              <a:rPr lang="en-US" sz="1600" dirty="0">
+                <a:solidFill>
+                  <a:schemeClr val="accent2">
+                    <a:lumMod val="75000"/>
+                  </a:schemeClr>
+                </a:solidFill>
+              </a:rPr>
+              <a:t>No. of Matches Wins by Runs: 364 Matches</a:t>
+            </a:r>
+          </a:p>
+        </p:txBody>
+      </p:sp>
+      <p:sp>
+        <p:nvSpPr>
+          <p:cNvPr id="9" name="TextBox 8">
+            <a:extLst>
+              <a:ext uri="{FF2B5EF4-FFF2-40B4-BE49-F238E27FC236}">
+                <a16:creationId xmlns:a16="http://schemas.microsoft.com/office/drawing/2014/main" id="{6B35FD82-FDC2-B84E-FB5F-924D399D38A9}"/>
+              </a:ext>
+            </a:extLst>
+          </p:cNvPr>
+          <p:cNvSpPr txBox="1"/>
+          <p:nvPr/>
+        </p:nvSpPr>
+        <p:spPr>
+          <a:xfrm>
+            <a:off x="1090174" y="5944680"/>
+            <a:ext cx="3490215" cy="338554"/>
+          </a:xfrm>
+          <a:prstGeom prst="rect">
+            <a:avLst/>
+          </a:prstGeom>
+          <a:noFill/>
+        </p:spPr>
+        <p:txBody>
+          <a:bodyPr wrap="square">
+            <a:spAutoFit/>
+          </a:bodyPr>
+          <a:lstStyle/>
+          <a:p>
+            <a:r>
+              <a:rPr lang="en-US" sz="1600" dirty="0">
+                <a:solidFill>
+                  <a:schemeClr val="accent2">
+                    <a:lumMod val="75000"/>
+                  </a:schemeClr>
+                </a:solidFill>
+              </a:rPr>
+              <a:t>Win by Maximum Runs - 146 runs</a:t>
+            </a:r>
+          </a:p>
+        </p:txBody>
+      </p:sp>
+      <p:pic>
+        <p:nvPicPr>
+          <p:cNvPr id="4100" name="Picture 4">
+            <a:extLst>
+              <a:ext uri="{FF2B5EF4-FFF2-40B4-BE49-F238E27FC236}">
+                <a16:creationId xmlns:a16="http://schemas.microsoft.com/office/drawing/2014/main" id="{B83574F4-D1E5-5C7F-A249-A49268E36975}"/>
+              </a:ext>
+            </a:extLst>
+          </p:cNvPr>
+          <p:cNvPicPr>
+            <a:picLocks noChangeAspect="1" noChangeArrowheads="1"/>
+          </p:cNvPicPr>
+          <p:nvPr/>
+        </p:nvPicPr>
+        <p:blipFill>
+          <a:blip r:embed="rId3">
+            <a:extLst>
+              <a:ext uri="{28A0092B-C50C-407E-A947-70E740481C1C}">
+                <a14:useLocalDpi xmlns:a14="http://schemas.microsoft.com/office/drawing/2010/main" val="0"/>
+              </a:ext>
+            </a:extLst>
+          </a:blip>
+          <a:srcRect/>
+          <a:stretch>
+            <a:fillRect/>
+          </a:stretch>
+        </p:blipFill>
+        <p:spPr bwMode="auto">
+          <a:xfrm>
+            <a:off x="6826265" y="2445470"/>
+            <a:ext cx="3457575" cy="3362325"/>
+          </a:xfrm>
+          <a:prstGeom prst="rect">
+            <a:avLst/>
+          </a:prstGeom>
+          <a:noFill/>
+          <a:ln>
+            <a:solidFill>
+              <a:schemeClr val="accent1">
+                <a:lumMod val="60000"/>
+                <a:lumOff val="40000"/>
+              </a:schemeClr>
+            </a:solidFill>
+          </a:ln>
+          <a:extLst>
+            <a:ext uri="{909E8E84-426E-40DD-AFC4-6F175D3DCCD1}">
+              <a14:hiddenFill xmlns:a14="http://schemas.microsoft.com/office/drawing/2010/main">
+                <a:solidFill>
+                  <a:srgbClr val="FFFFFF"/>
+                </a:solidFill>
+              </a14:hiddenFill>
+            </a:ext>
+          </a:extLst>
+        </p:spPr>
+      </p:pic>
+      <p:pic>
+        <p:nvPicPr>
+          <p:cNvPr id="4102" name="Picture 6">
+            <a:extLst>
+              <a:ext uri="{FF2B5EF4-FFF2-40B4-BE49-F238E27FC236}">
+                <a16:creationId xmlns:a16="http://schemas.microsoft.com/office/drawing/2014/main" id="{F74ED2BD-47EE-677F-A554-65E3C0CE3B93}"/>
+              </a:ext>
+            </a:extLst>
+          </p:cNvPr>
+          <p:cNvPicPr>
+            <a:picLocks noChangeAspect="1" noChangeArrowheads="1"/>
+          </p:cNvPicPr>
+          <p:nvPr/>
+        </p:nvPicPr>
+        <p:blipFill>
+          <a:blip r:embed="rId4">
+            <a:extLst>
+              <a:ext uri="{28A0092B-C50C-407E-A947-70E740481C1C}">
+                <a14:useLocalDpi xmlns:a14="http://schemas.microsoft.com/office/drawing/2010/main" val="0"/>
+              </a:ext>
+            </a:extLst>
+          </a:blip>
+          <a:srcRect/>
+          <a:stretch>
+            <a:fillRect/>
+          </a:stretch>
+        </p:blipFill>
+        <p:spPr bwMode="auto">
+          <a:xfrm>
+            <a:off x="740095" y="2511700"/>
+            <a:ext cx="4033748" cy="3296095"/>
+          </a:xfrm>
+          <a:prstGeom prst="rect">
+            <a:avLst/>
+          </a:prstGeom>
+          <a:noFill/>
+          <a:ln>
+            <a:solidFill>
+              <a:schemeClr val="accent1">
+                <a:lumMod val="60000"/>
+                <a:lumOff val="40000"/>
+              </a:schemeClr>
+            </a:solidFill>
+          </a:ln>
+          <a:extLst>
+            <a:ext uri="{909E8E84-426E-40DD-AFC4-6F175D3DCCD1}">
+              <a14:hiddenFill xmlns:a14="http://schemas.microsoft.com/office/drawing/2010/main">
+                <a:solidFill>
+                  <a:srgbClr val="FFFFFF"/>
+                </a:solidFill>
+              </a14:hiddenFill>
+            </a:ext>
+          </a:extLst>
+        </p:spPr>
+      </p:pic>
+      <p:sp>
+        <p:nvSpPr>
+          <p:cNvPr id="12" name="Text Placeholder 11">
+            <a:extLst>
+              <a:ext uri="{FF2B5EF4-FFF2-40B4-BE49-F238E27FC236}">
+                <a16:creationId xmlns:a16="http://schemas.microsoft.com/office/drawing/2014/main" id="{D571FEC1-9878-9CB9-0259-A4217769FF1D}"/>
+              </a:ext>
+            </a:extLst>
+          </p:cNvPr>
+          <p:cNvSpPr txBox="1">
+            <a:spLocks/>
+          </p:cNvSpPr>
+          <p:nvPr/>
+        </p:nvSpPr>
+        <p:spPr>
+          <a:xfrm>
+            <a:off x="890690" y="281061"/>
+            <a:ext cx="3732558" cy="602039"/>
+          </a:xfrm>
+          <a:prstGeom prst="rect">
+            <a:avLst/>
+          </a:prstGeom>
+        </p:spPr>
+        <p:style>
+          <a:lnRef idx="1">
+            <a:schemeClr val="accent6"/>
+          </a:lnRef>
+          <a:fillRef idx="2">
+            <a:schemeClr val="accent6"/>
+          </a:fillRef>
+          <a:effectRef idx="1">
+            <a:schemeClr val="accent6"/>
+          </a:effectRef>
+          <a:fontRef idx="minor">
+            <a:schemeClr val="dk1"/>
+          </a:fontRef>
+        </p:style>
+        <p:txBody>
+          <a:bodyPr vert="horz" lIns="91440" tIns="45720" rIns="91440" bIns="45720" rtlCol="0">
+            <a:normAutofit fontScale="92500"/>
+          </a:bodyPr>
+          <a:lstStyle>
+            <a:lvl1pPr marL="0" indent="0" algn="l" defTabSz="914400" rtl="0" eaLnBrk="1" latinLnBrk="0" hangingPunct="1">
+              <a:lnSpc>
+                <a:spcPct val="90000"/>
+              </a:lnSpc>
+              <a:spcBef>
+                <a:spcPts val="1000"/>
+              </a:spcBef>
+              <a:buFont typeface="Arial" panose="020B0604020202020204" pitchFamily="34" charset="0"/>
+              <a:buNone/>
+              <a:defRPr sz="2400" kern="1200">
+                <a:solidFill>
+                  <a:schemeClr val="tx1">
+                    <a:lumMod val="85000"/>
+                    <a:lumOff val="15000"/>
+                  </a:schemeClr>
+                </a:solidFill>
+                <a:latin typeface="Arial Narrow" panose="020B0606020202030204" pitchFamily="34" charset="0"/>
+                <a:ea typeface="+mn-ea"/>
+                <a:cs typeface="+mn-cs"/>
+              </a:defRPr>
+            </a:lvl1pPr>
+            <a:lvl2pPr marL="685800" indent="-228600" algn="l" defTabSz="914400" rtl="0" eaLnBrk="1" latinLnBrk="0" hangingPunct="1">
+              <a:lnSpc>
+                <a:spcPct val="90000"/>
+              </a:lnSpc>
+              <a:spcBef>
+                <a:spcPts val="500"/>
+              </a:spcBef>
+              <a:buFontTx/>
+              <a:buBlip>
+                <a:blip r:embed="rId5"/>
+              </a:buBlip>
+              <a:defRPr sz="2000" kern="1200">
+                <a:solidFill>
+                  <a:schemeClr val="tx1">
+                    <a:lumMod val="85000"/>
+                    <a:lumOff val="15000"/>
+                  </a:schemeClr>
+                </a:solidFill>
+                <a:latin typeface="+mn-lt"/>
+                <a:ea typeface="+mn-ea"/>
+                <a:cs typeface="+mn-cs"/>
+              </a:defRPr>
+            </a:lvl2pPr>
+            <a:lvl3pPr marL="1143000" indent="-228600" algn="l" defTabSz="914400" rtl="0" eaLnBrk="1" latinLnBrk="0" hangingPunct="1">
+              <a:lnSpc>
+                <a:spcPct val="90000"/>
+              </a:lnSpc>
+              <a:spcBef>
+                <a:spcPts val="500"/>
+              </a:spcBef>
+              <a:buFont typeface="Arial" panose="020B0604020202020204" pitchFamily="34" charset="0"/>
+              <a:buChar char="•"/>
+              <a:defRPr sz="2000" kern="1200">
+                <a:solidFill>
+                  <a:schemeClr val="tx1">
+                    <a:lumMod val="50000"/>
+                    <a:lumOff val="50000"/>
+                  </a:schemeClr>
+                </a:solidFill>
+                <a:latin typeface="+mn-lt"/>
+                <a:ea typeface="+mn-ea"/>
+                <a:cs typeface="+mn-cs"/>
+              </a:defRPr>
+            </a:lvl3pPr>
+            <a:lvl4pPr marL="1600200" indent="-228600" algn="l" defTabSz="914400" rtl="0" eaLnBrk="1" latinLnBrk="0" hangingPunct="1">
+              <a:lnSpc>
+                <a:spcPct val="90000"/>
+              </a:lnSpc>
+              <a:spcBef>
+                <a:spcPts val="500"/>
+              </a:spcBef>
+              <a:buFont typeface="Arial" panose="020B0604020202020204" pitchFamily="34" charset="0"/>
+              <a:buChar char="•"/>
+              <a:defRPr sz="1800" kern="1200">
+                <a:solidFill>
+                  <a:schemeClr val="tx1">
+                    <a:lumMod val="50000"/>
+                    <a:lumOff val="50000"/>
+                  </a:schemeClr>
+                </a:solidFill>
+                <a:latin typeface="+mn-lt"/>
+                <a:ea typeface="+mn-ea"/>
+                <a:cs typeface="+mn-cs"/>
+              </a:defRPr>
+            </a:lvl4pPr>
+            <a:lvl5pPr marL="2057400" indent="-228600" algn="l" defTabSz="914400" rtl="0" eaLnBrk="1" latinLnBrk="0" hangingPunct="1">
+              <a:lnSpc>
+                <a:spcPct val="90000"/>
+              </a:lnSpc>
+              <a:spcBef>
+                <a:spcPts val="500"/>
+              </a:spcBef>
+              <a:buFont typeface="Arial" panose="020B0604020202020204" pitchFamily="34" charset="0"/>
+              <a:buChar char="•"/>
+              <a:defRPr sz="1800" kern="1200">
+                <a:solidFill>
+                  <a:schemeClr val="tx1">
+                    <a:lumMod val="50000"/>
+                    <a:lumOff val="50000"/>
+                  </a:schemeClr>
+                </a:solidFill>
+                <a:latin typeface="+mn-lt"/>
+                <a:ea typeface="+mn-ea"/>
+                <a:cs typeface="+mn-cs"/>
+              </a:defRPr>
+            </a:lvl5pPr>
+            <a:lvl6pPr marL="2514600" indent="-228600" algn="l" defTabSz="914400" rtl="0" eaLnBrk="1" latinLnBrk="0" hangingPunct="1">
+              <a:lnSpc>
+                <a:spcPct val="90000"/>
+              </a:lnSpc>
+              <a:spcBef>
+                <a:spcPts val="500"/>
+              </a:spcBef>
+              <a:buFont typeface="Arial" panose="020B0604020202020204" pitchFamily="34" charset="0"/>
+              <a:buChar char="•"/>
+              <a:defRPr sz="1800" kern="1200">
+                <a:solidFill>
+                  <a:schemeClr val="dk1"/>
+                </a:solidFill>
+                <a:latin typeface="+mn-lt"/>
+                <a:ea typeface="+mn-ea"/>
+                <a:cs typeface="+mn-cs"/>
+              </a:defRPr>
+            </a:lvl6pPr>
+            <a:lvl7pPr marL="2971800" indent="-228600" algn="l" defTabSz="914400" rtl="0" eaLnBrk="1" latinLnBrk="0" hangingPunct="1">
+              <a:lnSpc>
+                <a:spcPct val="90000"/>
+              </a:lnSpc>
+              <a:spcBef>
+                <a:spcPts val="500"/>
+              </a:spcBef>
+              <a:buFont typeface="Arial" panose="020B0604020202020204" pitchFamily="34" charset="0"/>
+              <a:buChar char="•"/>
+              <a:defRPr sz="1800" kern="1200">
+                <a:solidFill>
+                  <a:schemeClr val="dk1"/>
+                </a:solidFill>
+                <a:latin typeface="+mn-lt"/>
+                <a:ea typeface="+mn-ea"/>
+                <a:cs typeface="+mn-cs"/>
+              </a:defRPr>
+            </a:lvl7pPr>
+            <a:lvl8pPr marL="3429000" indent="-228600" algn="l" defTabSz="914400" rtl="0" eaLnBrk="1" latinLnBrk="0" hangingPunct="1">
+              <a:lnSpc>
+                <a:spcPct val="90000"/>
+              </a:lnSpc>
+              <a:spcBef>
+                <a:spcPts val="500"/>
+              </a:spcBef>
+              <a:buFont typeface="Arial" panose="020B0604020202020204" pitchFamily="34" charset="0"/>
+              <a:buChar char="•"/>
+              <a:defRPr sz="1800" kern="1200">
+                <a:solidFill>
+                  <a:schemeClr val="dk1"/>
+                </a:solidFill>
+                <a:latin typeface="+mn-lt"/>
+                <a:ea typeface="+mn-ea"/>
+                <a:cs typeface="+mn-cs"/>
+              </a:defRPr>
+            </a:lvl8pPr>
+            <a:lvl9pPr marL="3886200" indent="-228600" algn="l" defTabSz="914400" rtl="0" eaLnBrk="1" latinLnBrk="0" hangingPunct="1">
+              <a:lnSpc>
+                <a:spcPct val="90000"/>
+              </a:lnSpc>
+              <a:spcBef>
+                <a:spcPts val="500"/>
+              </a:spcBef>
+              <a:buFont typeface="Arial" panose="020B0604020202020204" pitchFamily="34" charset="0"/>
+              <a:buChar char="•"/>
+              <a:defRPr sz="1800" kern="1200">
+                <a:solidFill>
+                  <a:schemeClr val="dk1"/>
+                </a:solidFill>
+                <a:latin typeface="+mn-lt"/>
+                <a:ea typeface="+mn-ea"/>
+                <a:cs typeface="+mn-cs"/>
+              </a:defRPr>
+            </a:lvl9pPr>
+          </a:lstStyle>
+          <a:p>
+            <a:pPr algn="ctr">
+              <a:lnSpc>
+                <a:spcPct val="170000"/>
+              </a:lnSpc>
+            </a:pPr>
+            <a:r>
+              <a:rPr lang="en-IN" dirty="0"/>
+              <a:t>Toss Decision and Matches Won</a:t>
+            </a:r>
+          </a:p>
+        </p:txBody>
+      </p:sp>
+      <p:sp>
+        <p:nvSpPr>
+          <p:cNvPr id="14" name="TextBox 13">
+            <a:extLst>
+              <a:ext uri="{FF2B5EF4-FFF2-40B4-BE49-F238E27FC236}">
+                <a16:creationId xmlns:a16="http://schemas.microsoft.com/office/drawing/2014/main" id="{334E9528-7889-E114-9380-55C28679C946}"/>
+              </a:ext>
+            </a:extLst>
+          </p:cNvPr>
+          <p:cNvSpPr txBox="1"/>
+          <p:nvPr/>
+        </p:nvSpPr>
+        <p:spPr>
+          <a:xfrm>
+            <a:off x="6611657" y="5988182"/>
+            <a:ext cx="3886789" cy="369332"/>
+          </a:xfrm>
+          <a:prstGeom prst="rect">
+            <a:avLst/>
+          </a:prstGeom>
+          <a:noFill/>
+        </p:spPr>
+        <p:txBody>
+          <a:bodyPr wrap="square">
+            <a:spAutoFit/>
+          </a:bodyPr>
+          <a:lstStyle/>
+          <a:p>
+            <a:r>
+              <a:rPr lang="en-US" sz="1800" dirty="0">
+                <a:solidFill>
+                  <a:srgbClr val="005882"/>
+                </a:solidFill>
+              </a:rPr>
+              <a:t>Win by Maximum Wickets – 10 wickets</a:t>
+            </a:r>
+            <a:endParaRPr lang="en-IN" dirty="0"/>
+          </a:p>
+        </p:txBody>
+      </p:sp>
+    </p:spTree>
+    <p:extLst>
+      <p:ext uri="{BB962C8B-B14F-4D97-AF65-F5344CB8AC3E}">
+        <p14:creationId xmlns:p14="http://schemas.microsoft.com/office/powerpoint/2010/main" val="599441451"/>
       </p:ext>
     </p:extLst>
   </p:cSld>
